--- a/figures/Summary_of_Results.pptx
+++ b/figures/Summary_of_Results.pptx
@@ -3338,7 +3338,7 @@
               <p:nvPr>
                 <p:extLst>
                   <p:ext uri="{D42A27DB-BD31-4B8C-83A1-F6EECF244321}">
-                    <p14:modId xmlns:p14="http://schemas.microsoft.com/office/powerpoint/2010/main" val="3328749832"/>
+                    <p14:modId xmlns:p14="http://schemas.microsoft.com/office/powerpoint/2010/main" val="3172861290"/>
                   </p:ext>
                 </p:extLst>
               </p:nvPr>
@@ -3368,14 +3368,14 @@
                         </a:ext>
                       </a:extLst>
                     </a:gridCol>
-                    <a:gridCol w="2349595">
+                    <a:gridCol w="2619375">
                       <a:extLst>
                         <a:ext uri="{9D8B030D-6E8A-4147-A177-3AD203B41FA5}">
                           <a16:colId xmlns:a16="http://schemas.microsoft.com/office/drawing/2014/main" val="1583916392"/>
                         </a:ext>
                       </a:extLst>
                     </a:gridCol>
-                    <a:gridCol w="3361767">
+                    <a:gridCol w="3091987">
                       <a:extLst>
                         <a:ext uri="{9D8B030D-6E8A-4147-A177-3AD203B41FA5}">
                           <a16:colId xmlns:a16="http://schemas.microsoft.com/office/drawing/2014/main" val="2208840777"/>
@@ -3410,21 +3410,7 @@
                           <a:pPr algn="ctr"/>
                           <a:r>
                             <a:rPr lang="en-US" sz="1600" dirty="0"/>
-                            <a:t>In Vitro</a:t>
-                          </a:r>
-                        </a:p>
-                      </a:txBody>
-                      <a:tcPr anchor="ctr"/>
-                    </a:tc>
-                    <a:tc>
-                      <a:txBody>
-                        <a:bodyPr/>
-                        <a:lstStyle/>
-                        <a:p>
-                          <a:pPr algn="ctr"/>
-                          <a:r>
-                            <a:rPr lang="en-US" sz="1600" dirty="0"/>
-                            <a:t>In vivo,</a:t>
+                            <a:t>In vitro</a:t>
                           </a:r>
                         </a:p>
                       </a:txBody>
@@ -3452,7 +3438,21 @@
                           <a:pPr algn="ctr"/>
                           <a:r>
                             <a:rPr lang="en-US" sz="1600" dirty="0"/>
-                            <a:t>In vivo, in tissue</a:t>
+                            <a:t>In vivo</a:t>
+                          </a:r>
+                        </a:p>
+                      </a:txBody>
+                      <a:tcPr anchor="ctr"/>
+                    </a:tc>
+                    <a:tc>
+                      <a:txBody>
+                        <a:bodyPr/>
+                        <a:lstStyle/>
+                        <a:p>
+                          <a:pPr algn="ctr"/>
+                          <a:r>
+                            <a:rPr lang="en-US" sz="1600" dirty="0"/>
+                            <a:t>In vivo</a:t>
                           </a:r>
                         </a:p>
                       </a:txBody>
@@ -3564,7 +3564,7 @@
                           <a:pPr algn="ctr"/>
                           <a:r>
                             <a:rPr lang="en-US" sz="1600" dirty="0"/>
-                            <a:t>-</a:t>
+                            <a:t>no</a:t>
                           </a:r>
                         </a:p>
                       </a:txBody>
@@ -3578,7 +3578,7 @@
                           <a:pPr algn="ctr"/>
                           <a:r>
                             <a:rPr lang="en-US" sz="1600" dirty="0"/>
-                            <a:t>-</a:t>
+                            <a:t>no</a:t>
                           </a:r>
                         </a:p>
                       </a:txBody>
@@ -3606,7 +3606,7 @@
                           <a:pPr algn="ctr"/>
                           <a:r>
                             <a:rPr lang="en-US" sz="1600" dirty="0"/>
-                            <a:t>-</a:t>
+                            <a:t>no</a:t>
                           </a:r>
                         </a:p>
                       </a:txBody>
@@ -4134,7 +4134,7 @@
               <p:nvPr>
                 <p:extLst>
                   <p:ext uri="{D42A27DB-BD31-4B8C-83A1-F6EECF244321}">
-                    <p14:modId xmlns:p14="http://schemas.microsoft.com/office/powerpoint/2010/main" val="3328749832"/>
+                    <p14:modId xmlns:p14="http://schemas.microsoft.com/office/powerpoint/2010/main" val="3172861290"/>
                   </p:ext>
                 </p:extLst>
               </p:nvPr>
@@ -4164,14 +4164,14 @@
                         </a:ext>
                       </a:extLst>
                     </a:gridCol>
-                    <a:gridCol w="2349595">
+                    <a:gridCol w="2619375">
                       <a:extLst>
                         <a:ext uri="{9D8B030D-6E8A-4147-A177-3AD203B41FA5}">
                           <a16:colId xmlns:a16="http://schemas.microsoft.com/office/drawing/2014/main" val="1583916392"/>
                         </a:ext>
                       </a:extLst>
                     </a:gridCol>
-                    <a:gridCol w="3361767">
+                    <a:gridCol w="3091987">
                       <a:extLst>
                         <a:ext uri="{9D8B030D-6E8A-4147-A177-3AD203B41FA5}">
                           <a16:colId xmlns:a16="http://schemas.microsoft.com/office/drawing/2014/main" val="2208840777"/>
@@ -4206,21 +4206,7 @@
                           <a:pPr algn="ctr"/>
                           <a:r>
                             <a:rPr lang="en-US" sz="1600" dirty="0"/>
-                            <a:t>In Vitro</a:t>
-                          </a:r>
-                        </a:p>
-                      </a:txBody>
-                      <a:tcPr anchor="ctr"/>
-                    </a:tc>
-                    <a:tc>
-                      <a:txBody>
-                        <a:bodyPr/>
-                        <a:lstStyle/>
-                        <a:p>
-                          <a:pPr algn="ctr"/>
-                          <a:r>
-                            <a:rPr lang="en-US" sz="1600" dirty="0"/>
-                            <a:t>In vivo,</a:t>
+                            <a:t>In vitro</a:t>
                           </a:r>
                         </a:p>
                       </a:txBody>
@@ -4248,7 +4234,21 @@
                           <a:pPr algn="ctr"/>
                           <a:r>
                             <a:rPr lang="en-US" sz="1600" dirty="0"/>
-                            <a:t>In vivo, in tissue</a:t>
+                            <a:t>In vivo</a:t>
+                          </a:r>
+                        </a:p>
+                      </a:txBody>
+                      <a:tcPr anchor="ctr"/>
+                    </a:tc>
+                    <a:tc>
+                      <a:txBody>
+                        <a:bodyPr/>
+                        <a:lstStyle/>
+                        <a:p>
+                          <a:pPr algn="ctr"/>
+                          <a:r>
+                            <a:rPr lang="en-US" sz="1600" dirty="0"/>
+                            <a:t>In vivo</a:t>
                           </a:r>
                         </a:p>
                       </a:txBody>
@@ -4360,7 +4360,7 @@
                           <a:pPr algn="ctr"/>
                           <a:r>
                             <a:rPr lang="en-US" sz="1600" dirty="0"/>
-                            <a:t>-</a:t>
+                            <a:t>no</a:t>
                           </a:r>
                         </a:p>
                       </a:txBody>
@@ -4374,7 +4374,7 @@
                           <a:pPr algn="ctr"/>
                           <a:r>
                             <a:rPr lang="en-US" sz="1600" dirty="0"/>
-                            <a:t>-</a:t>
+                            <a:t>no</a:t>
                           </a:r>
                         </a:p>
                       </a:txBody>
@@ -4402,7 +4402,7 @@
                           <a:pPr algn="ctr"/>
                           <a:r>
                             <a:rPr lang="en-US" sz="1600" dirty="0"/>
-                            <a:t>-</a:t>
+                            <a:t>no</a:t>
                           </a:r>
                         </a:p>
                       </a:txBody>
@@ -4462,7 +4462,7 @@
                         <a:blipFill>
                           <a:blip r:embed="rId2"/>
                           <a:stretch>
-                            <a:fillRect l="-136216" t="-185106" r="-264324" b="-678723"/>
+                            <a:fillRect l="-121739" t="-185106" r="-225604" b="-678723"/>
                           </a:stretch>
                         </a:blipFill>
                       </a:tcPr>
@@ -4479,7 +4479,7 @@
                         <a:blipFill>
                           <a:blip r:embed="rId2"/>
                           <a:stretch>
-                            <a:fillRect l="-164906" t="-185106" r="-84528" b="-678723"/>
+                            <a:fillRect l="-188889" t="-185106" r="-92181" b="-678723"/>
                           </a:stretch>
                         </a:blipFill>
                       </a:tcPr>
@@ -10220,7 +10220,7 @@
         </p:nvSpPr>
         <p:spPr>
           <a:xfrm>
-            <a:off x="3805803" y="469571"/>
+            <a:off x="3805803" y="351486"/>
             <a:ext cx="2959208" cy="276999"/>
           </a:xfrm>
           <a:prstGeom prst="rect">
@@ -10257,7 +10257,7 @@
             </p:nvSpPr>
             <p:spPr>
               <a:xfrm>
-                <a:off x="6765011" y="246850"/>
+                <a:off x="6765011" y="128765"/>
                 <a:ext cx="1151533" cy="675698"/>
               </a:xfrm>
               <a:prstGeom prst="rect">
@@ -10344,7 +10344,7 @@
             </p:nvSpPr>
             <p:spPr>
               <a:xfrm>
-                <a:off x="6765011" y="246850"/>
+                <a:off x="6765011" y="128765"/>
                 <a:ext cx="1151533" cy="675698"/>
               </a:xfrm>
               <a:prstGeom prst="rect">
@@ -10353,7 +10353,7 @@
               <a:blipFill>
                 <a:blip r:embed="rId3"/>
                 <a:stretch>
-                  <a:fillRect b="-7273"/>
+                  <a:fillRect b="-9259"/>
                 </a:stretch>
               </a:blipFill>
             </p:spPr>
@@ -10386,7 +10386,7 @@
         </p:nvSpPr>
         <p:spPr>
           <a:xfrm>
-            <a:off x="3555584" y="246850"/>
+            <a:off x="3555584" y="128765"/>
             <a:ext cx="4374212" cy="741056"/>
           </a:xfrm>
           <a:prstGeom prst="rect">
